--- a/21th-Makerspace.pptx
+++ b/21th-Makerspace.pptx
@@ -11301,8 +11301,8 @@
         </p:nvSpPr>
         <p:spPr>
           <a:xfrm>
-            <a:off x="5101425" y="1401535"/>
-            <a:ext cx="1989150" cy="2215991"/>
+            <a:off x="4916704" y="1466187"/>
+            <a:ext cx="2315375" cy="2215991"/>
           </a:xfrm>
           <a:prstGeom prst="rect">
             <a:avLst/>
@@ -13599,17 +13599,7 @@
                 <a:latin typeface="Comic Sans MS" panose="030F0702030302020204" pitchFamily="66" charset="0"/>
                 <a:ea typeface="微軟正黑體" panose="020B0604030504040204" pitchFamily="34" charset="-120"/>
               </a:rPr>
-              <a:t>左</a:t>
-            </a:r>
-            <a:r>
-              <a:rPr lang="zh-TW" altLang="en-US" sz="3200" b="1" dirty="0" smtClean="0">
-                <a:solidFill>
-                  <a:schemeClr val="bg1"/>
-                </a:solidFill>
-                <a:latin typeface="Comic Sans MS" panose="030F0702030302020204" pitchFamily="66" charset="0"/>
-                <a:ea typeface="微軟正黑體" panose="020B0604030504040204" pitchFamily="34" charset="-120"/>
-              </a:rPr>
-              <a:t>圖</a:t>
+              <a:t>左圖</a:t>
             </a:r>
             <a:r>
               <a:rPr lang="zh-TW" altLang="en-US" sz="3200" b="1" dirty="0">
@@ -13710,17 +13700,7 @@
                 <a:latin typeface="微軟正黑體" panose="020B0604030504040204" pitchFamily="34" charset="-120"/>
                 <a:ea typeface="微軟正黑體" panose="020B0604030504040204" pitchFamily="34" charset="-120"/>
               </a:rPr>
-              <a:t>注意</a:t>
-            </a:r>
-            <a:r>
-              <a:rPr lang="zh-TW" altLang="en-US" sz="3200" b="1" dirty="0" smtClean="0">
-                <a:solidFill>
-                  <a:srgbClr val="FFFF00"/>
-                </a:solidFill>
-                <a:latin typeface="微軟正黑體" panose="020B0604030504040204" pitchFamily="34" charset="-120"/>
-                <a:ea typeface="微軟正黑體" panose="020B0604030504040204" pitchFamily="34" charset="-120"/>
-              </a:rPr>
-              <a:t>：正負</a:t>
+              <a:t>注意：正負</a:t>
             </a:r>
             <a:r>
               <a:rPr lang="zh-TW" altLang="en-US" sz="3200" b="1" dirty="0">
